--- a/docs/figures utils.pptx
+++ b/docs/figures utils.pptx
@@ -8,6 +8,9 @@
     <p:sldId id="256" r:id="rId2"/>
     <p:sldId id="257" r:id="rId3"/>
     <p:sldId id="258" r:id="rId4"/>
+    <p:sldId id="259" r:id="rId5"/>
+    <p:sldId id="260" r:id="rId6"/>
+    <p:sldId id="261" r:id="rId7"/>
   </p:sldIdLst>
   <p:sldSz cx="12192000" cy="6858000"/>
   <p:notesSz cx="6858000" cy="9144000"/>
@@ -6367,7 +6370,7 @@
           <a:p>
             <a:fld id="{895E97D8-041A-4FFE-AE04-4349FED739F2}" type="datetimeFigureOut">
               <a:rPr lang="he-IL" smtClean="0"/>
-              <a:t>י"ט/אב/תש"ף</a:t>
+              <a:t>י"ט/אלול/תש"ף</a:t>
             </a:fld>
             <a:endParaRPr lang="he-IL"/>
           </a:p>
@@ -6565,7 +6568,7 @@
           <a:p>
             <a:fld id="{895E97D8-041A-4FFE-AE04-4349FED739F2}" type="datetimeFigureOut">
               <a:rPr lang="he-IL" smtClean="0"/>
-              <a:t>י"ט/אב/תש"ף</a:t>
+              <a:t>י"ט/אלול/תש"ף</a:t>
             </a:fld>
             <a:endParaRPr lang="he-IL"/>
           </a:p>
@@ -6773,7 +6776,7 @@
           <a:p>
             <a:fld id="{895E97D8-041A-4FFE-AE04-4349FED739F2}" type="datetimeFigureOut">
               <a:rPr lang="he-IL" smtClean="0"/>
-              <a:t>י"ט/אב/תש"ף</a:t>
+              <a:t>י"ט/אלול/תש"ף</a:t>
             </a:fld>
             <a:endParaRPr lang="he-IL"/>
           </a:p>
@@ -6971,7 +6974,7 @@
           <a:p>
             <a:fld id="{895E97D8-041A-4FFE-AE04-4349FED739F2}" type="datetimeFigureOut">
               <a:rPr lang="he-IL" smtClean="0"/>
-              <a:t>י"ט/אב/תש"ף</a:t>
+              <a:t>י"ט/אלול/תש"ף</a:t>
             </a:fld>
             <a:endParaRPr lang="he-IL"/>
           </a:p>
@@ -7246,7 +7249,7 @@
           <a:p>
             <a:fld id="{895E97D8-041A-4FFE-AE04-4349FED739F2}" type="datetimeFigureOut">
               <a:rPr lang="he-IL" smtClean="0"/>
-              <a:t>י"ט/אב/תש"ף</a:t>
+              <a:t>י"ט/אלול/תש"ף</a:t>
             </a:fld>
             <a:endParaRPr lang="he-IL"/>
           </a:p>
@@ -7511,7 +7514,7 @@
           <a:p>
             <a:fld id="{895E97D8-041A-4FFE-AE04-4349FED739F2}" type="datetimeFigureOut">
               <a:rPr lang="he-IL" smtClean="0"/>
-              <a:t>י"ט/אב/תש"ף</a:t>
+              <a:t>י"ט/אלול/תש"ף</a:t>
             </a:fld>
             <a:endParaRPr lang="he-IL"/>
           </a:p>
@@ -7923,7 +7926,7 @@
           <a:p>
             <a:fld id="{895E97D8-041A-4FFE-AE04-4349FED739F2}" type="datetimeFigureOut">
               <a:rPr lang="he-IL" smtClean="0"/>
-              <a:t>י"ט/אב/תש"ף</a:t>
+              <a:t>י"ט/אלול/תש"ף</a:t>
             </a:fld>
             <a:endParaRPr lang="he-IL"/>
           </a:p>
@@ -8064,7 +8067,7 @@
           <a:p>
             <a:fld id="{895E97D8-041A-4FFE-AE04-4349FED739F2}" type="datetimeFigureOut">
               <a:rPr lang="he-IL" smtClean="0"/>
-              <a:t>י"ט/אב/תש"ף</a:t>
+              <a:t>י"ט/אלול/תש"ף</a:t>
             </a:fld>
             <a:endParaRPr lang="he-IL"/>
           </a:p>
@@ -8177,7 +8180,7 @@
           <a:p>
             <a:fld id="{895E97D8-041A-4FFE-AE04-4349FED739F2}" type="datetimeFigureOut">
               <a:rPr lang="he-IL" smtClean="0"/>
-              <a:t>י"ט/אב/תש"ף</a:t>
+              <a:t>י"ט/אלול/תש"ף</a:t>
             </a:fld>
             <a:endParaRPr lang="he-IL"/>
           </a:p>
@@ -8488,7 +8491,7 @@
           <a:p>
             <a:fld id="{895E97D8-041A-4FFE-AE04-4349FED739F2}" type="datetimeFigureOut">
               <a:rPr lang="he-IL" smtClean="0"/>
-              <a:t>י"ט/אב/תש"ף</a:t>
+              <a:t>י"ט/אלול/תש"ף</a:t>
             </a:fld>
             <a:endParaRPr lang="he-IL"/>
           </a:p>
@@ -8776,7 +8779,7 @@
           <a:p>
             <a:fld id="{895E97D8-041A-4FFE-AE04-4349FED739F2}" type="datetimeFigureOut">
               <a:rPr lang="he-IL" smtClean="0"/>
-              <a:t>י"ט/אב/תש"ף</a:t>
+              <a:t>י"ט/אלול/תש"ף</a:t>
             </a:fld>
             <a:endParaRPr lang="he-IL"/>
           </a:p>
@@ -9017,7 +9020,7 @@
           <a:p>
             <a:fld id="{895E97D8-041A-4FFE-AE04-4349FED739F2}" type="datetimeFigureOut">
               <a:rPr lang="he-IL" smtClean="0"/>
-              <a:t>י"ט/אב/תש"ף</a:t>
+              <a:t>י"ט/אלול/תש"ף</a:t>
             </a:fld>
             <a:endParaRPr lang="he-IL"/>
           </a:p>
@@ -11959,6 +11962,1203 @@
 </p:sld>
 </file>
 
+<file path=ppt/slides/slide4.xml><?xml version="1.0" encoding="utf-8"?>
+<p:sld xmlns:a="http://schemas.openxmlformats.org/drawingml/2006/main" xmlns:r="http://schemas.openxmlformats.org/officeDocument/2006/relationships" xmlns:p="http://schemas.openxmlformats.org/presentationml/2006/main">
+  <p:cSld>
+    <p:spTree>
+      <p:nvGrpSpPr>
+        <p:cNvPr id="1" name=""/>
+        <p:cNvGrpSpPr/>
+        <p:nvPr/>
+      </p:nvGrpSpPr>
+      <p:grpSpPr>
+        <a:xfrm>
+          <a:off x="0" y="0"/>
+          <a:ext cx="0" cy="0"/>
+          <a:chOff x="0" y="0"/>
+          <a:chExt cx="0" cy="0"/>
+        </a:xfrm>
+      </p:grpSpPr>
+      <p:grpSp>
+        <p:nvGrpSpPr>
+          <p:cNvPr id="47" name="Group 46">
+            <a:extLst>
+              <a:ext uri="{FF2B5EF4-FFF2-40B4-BE49-F238E27FC236}">
+                <a16:creationId xmlns:a16="http://schemas.microsoft.com/office/drawing/2014/main" id="{C92A028B-6791-4D79-A657-0859169EA4D5}"/>
+              </a:ext>
+            </a:extLst>
+          </p:cNvPr>
+          <p:cNvGrpSpPr/>
+          <p:nvPr/>
+        </p:nvGrpSpPr>
+        <p:grpSpPr>
+          <a:xfrm>
+            <a:off x="480437" y="-1970348"/>
+            <a:ext cx="10278014" cy="11189194"/>
+            <a:chOff x="480437" y="-1970348"/>
+            <a:chExt cx="10278014" cy="11189194"/>
+          </a:xfrm>
+        </p:grpSpPr>
+        <p:sp>
+          <p:nvSpPr>
+            <p:cNvPr id="8" name="TextBox 7">
+              <a:extLst>
+                <a:ext uri="{FF2B5EF4-FFF2-40B4-BE49-F238E27FC236}">
+                  <a16:creationId xmlns:a16="http://schemas.microsoft.com/office/drawing/2014/main" id="{BA24E286-E549-430D-A0B4-5DE7F8D81ED4}"/>
+                </a:ext>
+              </a:extLst>
+            </p:cNvPr>
+            <p:cNvSpPr txBox="1"/>
+            <p:nvPr/>
+          </p:nvSpPr>
+          <p:spPr>
+            <a:xfrm>
+              <a:off x="480437" y="-425560"/>
+              <a:ext cx="1543574" cy="369332"/>
+            </a:xfrm>
+            <a:prstGeom prst="rect">
+              <a:avLst/>
+            </a:prstGeom>
+            <a:noFill/>
+          </p:spPr>
+          <p:txBody>
+            <a:bodyPr wrap="square" rtlCol="1">
+              <a:spAutoFit/>
+            </a:bodyPr>
+            <a:lstStyle/>
+            <a:p>
+              <a:r>
+                <a:rPr lang="en-US" dirty="0"/>
+                <a:t>Light size = 3</a:t>
+              </a:r>
+              <a:endParaRPr lang="he-IL" dirty="0"/>
+            </a:p>
+          </p:txBody>
+        </p:sp>
+        <p:pic>
+          <p:nvPicPr>
+            <p:cNvPr id="10" name="Picture 9">
+              <a:extLst>
+                <a:ext uri="{FF2B5EF4-FFF2-40B4-BE49-F238E27FC236}">
+                  <a16:creationId xmlns:a16="http://schemas.microsoft.com/office/drawing/2014/main" id="{9274DFB0-C6A2-49C9-88F6-B5D954EED782}"/>
+                </a:ext>
+              </a:extLst>
+            </p:cNvPr>
+            <p:cNvPicPr>
+              <a:picLocks noChangeAspect="1"/>
+            </p:cNvPicPr>
+            <p:nvPr/>
+          </p:nvPicPr>
+          <p:blipFill>
+            <a:blip r:embed="rId2">
+              <a:extLst>
+                <a:ext uri="{28A0092B-C50C-407E-A947-70E740481C1C}">
+                  <a14:useLocalDpi xmlns:a14="http://schemas.microsoft.com/office/drawing/2010/main" val="0"/>
+                </a:ext>
+              </a:extLst>
+            </a:blip>
+            <a:stretch>
+              <a:fillRect/>
+            </a:stretch>
+          </p:blipFill>
+          <p:spPr>
+            <a:xfrm>
+              <a:off x="2024011" y="-1970348"/>
+              <a:ext cx="4320000" cy="3600000"/>
+            </a:xfrm>
+            <a:prstGeom prst="rect">
+              <a:avLst/>
+            </a:prstGeom>
+          </p:spPr>
+        </p:pic>
+        <p:sp>
+          <p:nvSpPr>
+            <p:cNvPr id="12" name="TextBox 11">
+              <a:extLst>
+                <a:ext uri="{FF2B5EF4-FFF2-40B4-BE49-F238E27FC236}">
+                  <a16:creationId xmlns:a16="http://schemas.microsoft.com/office/drawing/2014/main" id="{26A212C3-0EBF-411F-8C61-1948C5F8EAE5}"/>
+                </a:ext>
+              </a:extLst>
+            </p:cNvPr>
+            <p:cNvSpPr txBox="1"/>
+            <p:nvPr/>
+          </p:nvSpPr>
+          <p:spPr>
+            <a:xfrm>
+              <a:off x="2817833" y="8849514"/>
+              <a:ext cx="2732356" cy="369332"/>
+            </a:xfrm>
+            <a:prstGeom prst="rect">
+              <a:avLst/>
+            </a:prstGeom>
+            <a:noFill/>
+          </p:spPr>
+          <p:txBody>
+            <a:bodyPr wrap="square" rtlCol="1">
+              <a:spAutoFit/>
+            </a:bodyPr>
+            <a:lstStyle/>
+            <a:p>
+              <a:r>
+                <a:rPr lang="en-US" dirty="0"/>
+                <a:t>Light actions histogram</a:t>
+              </a:r>
+              <a:endParaRPr lang="he-IL" dirty="0"/>
+            </a:p>
+          </p:txBody>
+        </p:sp>
+        <p:pic>
+          <p:nvPicPr>
+            <p:cNvPr id="14" name="Picture 13">
+              <a:extLst>
+                <a:ext uri="{FF2B5EF4-FFF2-40B4-BE49-F238E27FC236}">
+                  <a16:creationId xmlns:a16="http://schemas.microsoft.com/office/drawing/2014/main" id="{71116221-9FBF-4F61-9AFF-91D46B844605}"/>
+                </a:ext>
+              </a:extLst>
+            </p:cNvPr>
+            <p:cNvPicPr>
+              <a:picLocks noChangeAspect="1"/>
+            </p:cNvPicPr>
+            <p:nvPr/>
+          </p:nvPicPr>
+          <p:blipFill>
+            <a:blip r:embed="rId3">
+              <a:extLst>
+                <a:ext uri="{28A0092B-C50C-407E-A947-70E740481C1C}">
+                  <a14:useLocalDpi xmlns:a14="http://schemas.microsoft.com/office/drawing/2010/main" val="0"/>
+                </a:ext>
+              </a:extLst>
+            </a:blip>
+            <a:stretch>
+              <a:fillRect/>
+            </a:stretch>
+          </p:blipFill>
+          <p:spPr>
+            <a:xfrm>
+              <a:off x="6438451" y="-1952010"/>
+              <a:ext cx="4320000" cy="3600000"/>
+            </a:xfrm>
+            <a:prstGeom prst="rect">
+              <a:avLst/>
+            </a:prstGeom>
+          </p:spPr>
+        </p:pic>
+        <p:sp>
+          <p:nvSpPr>
+            <p:cNvPr id="16" name="TextBox 15">
+              <a:extLst>
+                <a:ext uri="{FF2B5EF4-FFF2-40B4-BE49-F238E27FC236}">
+                  <a16:creationId xmlns:a16="http://schemas.microsoft.com/office/drawing/2014/main" id="{38677CCE-6808-4529-97E9-24D562B1210D}"/>
+                </a:ext>
+              </a:extLst>
+            </p:cNvPr>
+            <p:cNvSpPr txBox="1"/>
+            <p:nvPr/>
+          </p:nvSpPr>
+          <p:spPr>
+            <a:xfrm>
+              <a:off x="480437" y="3275699"/>
+              <a:ext cx="1543574" cy="369332"/>
+            </a:xfrm>
+            <a:prstGeom prst="rect">
+              <a:avLst/>
+            </a:prstGeom>
+            <a:noFill/>
+          </p:spPr>
+          <p:txBody>
+            <a:bodyPr wrap="square" rtlCol="1">
+              <a:spAutoFit/>
+            </a:bodyPr>
+            <a:lstStyle/>
+            <a:p>
+              <a:r>
+                <a:rPr lang="en-US" dirty="0"/>
+                <a:t>Light size = 4</a:t>
+              </a:r>
+              <a:endParaRPr lang="he-IL" dirty="0"/>
+            </a:p>
+          </p:txBody>
+        </p:sp>
+        <p:sp>
+          <p:nvSpPr>
+            <p:cNvPr id="22" name="TextBox 21">
+              <a:extLst>
+                <a:ext uri="{FF2B5EF4-FFF2-40B4-BE49-F238E27FC236}">
+                  <a16:creationId xmlns:a16="http://schemas.microsoft.com/office/drawing/2014/main" id="{61ADD1D5-C427-4DC3-8211-DE0A2AF6BFE1}"/>
+                </a:ext>
+              </a:extLst>
+            </p:cNvPr>
+            <p:cNvSpPr txBox="1"/>
+            <p:nvPr/>
+          </p:nvSpPr>
+          <p:spPr>
+            <a:xfrm>
+              <a:off x="480437" y="6988992"/>
+              <a:ext cx="1543574" cy="369332"/>
+            </a:xfrm>
+            <a:prstGeom prst="rect">
+              <a:avLst/>
+            </a:prstGeom>
+            <a:noFill/>
+          </p:spPr>
+          <p:txBody>
+            <a:bodyPr wrap="square" rtlCol="1">
+              <a:spAutoFit/>
+            </a:bodyPr>
+            <a:lstStyle/>
+            <a:p>
+              <a:r>
+                <a:rPr lang="en-US" dirty="0"/>
+                <a:t>Light size = 5</a:t>
+              </a:r>
+              <a:endParaRPr lang="he-IL" dirty="0"/>
+            </a:p>
+          </p:txBody>
+        </p:sp>
+        <p:sp>
+          <p:nvSpPr>
+            <p:cNvPr id="36" name="TextBox 35">
+              <a:extLst>
+                <a:ext uri="{FF2B5EF4-FFF2-40B4-BE49-F238E27FC236}">
+                  <a16:creationId xmlns:a16="http://schemas.microsoft.com/office/drawing/2014/main" id="{E7CD197C-B723-4602-A2F8-9AA177CEF121}"/>
+                </a:ext>
+              </a:extLst>
+            </p:cNvPr>
+            <p:cNvSpPr txBox="1"/>
+            <p:nvPr/>
+          </p:nvSpPr>
+          <p:spPr>
+            <a:xfrm>
+              <a:off x="7232273" y="8829652"/>
+              <a:ext cx="2732356" cy="369332"/>
+            </a:xfrm>
+            <a:prstGeom prst="rect">
+              <a:avLst/>
+            </a:prstGeom>
+            <a:noFill/>
+          </p:spPr>
+          <p:txBody>
+            <a:bodyPr wrap="square" rtlCol="1">
+              <a:spAutoFit/>
+            </a:bodyPr>
+            <a:lstStyle/>
+            <a:p>
+              <a:r>
+                <a:rPr lang="en-US" dirty="0"/>
+                <a:t>Zombie actions histogram</a:t>
+              </a:r>
+              <a:endParaRPr lang="he-IL" dirty="0"/>
+            </a:p>
+          </p:txBody>
+        </p:sp>
+        <p:pic>
+          <p:nvPicPr>
+            <p:cNvPr id="40" name="Picture 39">
+              <a:extLst>
+                <a:ext uri="{FF2B5EF4-FFF2-40B4-BE49-F238E27FC236}">
+                  <a16:creationId xmlns:a16="http://schemas.microsoft.com/office/drawing/2014/main" id="{286B2332-4CCE-4B93-93E5-A66884D6E5F1}"/>
+                </a:ext>
+              </a:extLst>
+            </p:cNvPr>
+            <p:cNvPicPr>
+              <a:picLocks noChangeAspect="1"/>
+            </p:cNvPicPr>
+            <p:nvPr/>
+          </p:nvPicPr>
+          <p:blipFill>
+            <a:blip r:embed="rId4">
+              <a:extLst>
+                <a:ext uri="{28A0092B-C50C-407E-A947-70E740481C1C}">
+                  <a14:useLocalDpi xmlns:a14="http://schemas.microsoft.com/office/drawing/2010/main" val="0"/>
+                </a:ext>
+              </a:extLst>
+            </a:blip>
+            <a:stretch>
+              <a:fillRect/>
+            </a:stretch>
+          </p:blipFill>
+          <p:spPr>
+            <a:xfrm>
+              <a:off x="2024011" y="1629652"/>
+              <a:ext cx="4320000" cy="3600000"/>
+            </a:xfrm>
+            <a:prstGeom prst="rect">
+              <a:avLst/>
+            </a:prstGeom>
+          </p:spPr>
+        </p:pic>
+        <p:pic>
+          <p:nvPicPr>
+            <p:cNvPr id="42" name="Picture 41">
+              <a:extLst>
+                <a:ext uri="{FF2B5EF4-FFF2-40B4-BE49-F238E27FC236}">
+                  <a16:creationId xmlns:a16="http://schemas.microsoft.com/office/drawing/2014/main" id="{6B867B4A-49CA-4EE7-A8A1-CC95453CAB15}"/>
+                </a:ext>
+              </a:extLst>
+            </p:cNvPr>
+            <p:cNvPicPr>
+              <a:picLocks noChangeAspect="1"/>
+            </p:cNvPicPr>
+            <p:nvPr/>
+          </p:nvPicPr>
+          <p:blipFill>
+            <a:blip r:embed="rId5">
+              <a:extLst>
+                <a:ext uri="{28A0092B-C50C-407E-A947-70E740481C1C}">
+                  <a14:useLocalDpi xmlns:a14="http://schemas.microsoft.com/office/drawing/2010/main" val="0"/>
+                </a:ext>
+              </a:extLst>
+            </a:blip>
+            <a:stretch>
+              <a:fillRect/>
+            </a:stretch>
+          </p:blipFill>
+          <p:spPr>
+            <a:xfrm>
+              <a:off x="6438451" y="1629000"/>
+              <a:ext cx="4320000" cy="3600000"/>
+            </a:xfrm>
+            <a:prstGeom prst="rect">
+              <a:avLst/>
+            </a:prstGeom>
+          </p:spPr>
+        </p:pic>
+        <p:pic>
+          <p:nvPicPr>
+            <p:cNvPr id="44" name="Picture 43">
+              <a:extLst>
+                <a:ext uri="{FF2B5EF4-FFF2-40B4-BE49-F238E27FC236}">
+                  <a16:creationId xmlns:a16="http://schemas.microsoft.com/office/drawing/2014/main" id="{092C893B-8696-4DCF-AF72-0C348A943FAE}"/>
+                </a:ext>
+              </a:extLst>
+            </p:cNvPr>
+            <p:cNvPicPr>
+              <a:picLocks noChangeAspect="1"/>
+            </p:cNvPicPr>
+            <p:nvPr/>
+          </p:nvPicPr>
+          <p:blipFill>
+            <a:blip r:embed="rId6">
+              <a:extLst>
+                <a:ext uri="{28A0092B-C50C-407E-A947-70E740481C1C}">
+                  <a14:useLocalDpi xmlns:a14="http://schemas.microsoft.com/office/drawing/2010/main" val="0"/>
+                </a:ext>
+              </a:extLst>
+            </a:blip>
+            <a:stretch>
+              <a:fillRect/>
+            </a:stretch>
+          </p:blipFill>
+          <p:spPr>
+            <a:xfrm>
+              <a:off x="2024011" y="5229652"/>
+              <a:ext cx="4320000" cy="3600000"/>
+            </a:xfrm>
+            <a:prstGeom prst="rect">
+              <a:avLst/>
+            </a:prstGeom>
+          </p:spPr>
+        </p:pic>
+        <p:pic>
+          <p:nvPicPr>
+            <p:cNvPr id="46" name="Picture 45">
+              <a:extLst>
+                <a:ext uri="{FF2B5EF4-FFF2-40B4-BE49-F238E27FC236}">
+                  <a16:creationId xmlns:a16="http://schemas.microsoft.com/office/drawing/2014/main" id="{D62F325F-8F5F-4004-B7B6-AF0C16DA9914}"/>
+                </a:ext>
+              </a:extLst>
+            </p:cNvPr>
+            <p:cNvPicPr>
+              <a:picLocks noChangeAspect="1"/>
+            </p:cNvPicPr>
+            <p:nvPr/>
+          </p:nvPicPr>
+          <p:blipFill>
+            <a:blip r:embed="rId7">
+              <a:extLst>
+                <a:ext uri="{28A0092B-C50C-407E-A947-70E740481C1C}">
+                  <a14:useLocalDpi xmlns:a14="http://schemas.microsoft.com/office/drawing/2010/main" val="0"/>
+                </a:ext>
+              </a:extLst>
+            </a:blip>
+            <a:stretch>
+              <a:fillRect/>
+            </a:stretch>
+          </p:blipFill>
+          <p:spPr>
+            <a:xfrm>
+              <a:off x="6438451" y="5229652"/>
+              <a:ext cx="4320000" cy="3600000"/>
+            </a:xfrm>
+            <a:prstGeom prst="rect">
+              <a:avLst/>
+            </a:prstGeom>
+          </p:spPr>
+        </p:pic>
+      </p:grpSp>
+    </p:spTree>
+    <p:extLst>
+      <p:ext uri="{BB962C8B-B14F-4D97-AF65-F5344CB8AC3E}">
+        <p14:creationId xmlns:p14="http://schemas.microsoft.com/office/powerpoint/2010/main" val="584056157"/>
+      </p:ext>
+    </p:extLst>
+  </p:cSld>
+  <p:clrMapOvr>
+    <a:masterClrMapping/>
+  </p:clrMapOvr>
+</p:sld>
+</file>
+
+<file path=ppt/slides/slide5.xml><?xml version="1.0" encoding="utf-8"?>
+<p:sld xmlns:a="http://schemas.openxmlformats.org/drawingml/2006/main" xmlns:r="http://schemas.openxmlformats.org/officeDocument/2006/relationships" xmlns:p="http://schemas.openxmlformats.org/presentationml/2006/main">
+  <p:cSld>
+    <p:spTree>
+      <p:nvGrpSpPr>
+        <p:cNvPr id="1" name=""/>
+        <p:cNvGrpSpPr/>
+        <p:nvPr/>
+      </p:nvGrpSpPr>
+      <p:grpSpPr>
+        <a:xfrm>
+          <a:off x="0" y="0"/>
+          <a:ext cx="0" cy="0"/>
+          <a:chOff x="0" y="0"/>
+          <a:chExt cx="0" cy="0"/>
+        </a:xfrm>
+      </p:grpSpPr>
+      <p:grpSp>
+        <p:nvGrpSpPr>
+          <p:cNvPr id="17" name="Group 16">
+            <a:extLst>
+              <a:ext uri="{FF2B5EF4-FFF2-40B4-BE49-F238E27FC236}">
+                <a16:creationId xmlns:a16="http://schemas.microsoft.com/office/drawing/2014/main" id="{7A278189-EE63-4B64-88A2-71D87EE4B3A4}"/>
+              </a:ext>
+            </a:extLst>
+          </p:cNvPr>
+          <p:cNvGrpSpPr/>
+          <p:nvPr/>
+        </p:nvGrpSpPr>
+        <p:grpSpPr>
+          <a:xfrm>
+            <a:off x="679312" y="1297280"/>
+            <a:ext cx="10833376" cy="3249332"/>
+            <a:chOff x="-512068" y="1589380"/>
+            <a:chExt cx="10833376" cy="3249332"/>
+          </a:xfrm>
+        </p:grpSpPr>
+        <p:pic>
+          <p:nvPicPr>
+            <p:cNvPr id="5" name="Picture 4">
+              <a:extLst>
+                <a:ext uri="{FF2B5EF4-FFF2-40B4-BE49-F238E27FC236}">
+                  <a16:creationId xmlns:a16="http://schemas.microsoft.com/office/drawing/2014/main" id="{80360F93-B3F2-40A3-9E7C-9D6EBEC74F85}"/>
+                </a:ext>
+              </a:extLst>
+            </p:cNvPr>
+            <p:cNvPicPr>
+              <a:picLocks noChangeAspect="1"/>
+            </p:cNvPicPr>
+            <p:nvPr/>
+          </p:nvPicPr>
+          <p:blipFill>
+            <a:blip r:embed="rId2">
+              <a:extLst>
+                <a:ext uri="{28A0092B-C50C-407E-A947-70E740481C1C}">
+                  <a14:useLocalDpi xmlns:a14="http://schemas.microsoft.com/office/drawing/2010/main" val="0"/>
+                </a:ext>
+              </a:extLst>
+            </a:blip>
+            <a:stretch>
+              <a:fillRect/>
+            </a:stretch>
+          </p:blipFill>
+          <p:spPr>
+            <a:xfrm>
+              <a:off x="-512068" y="1589380"/>
+              <a:ext cx="3630198" cy="2880000"/>
+            </a:xfrm>
+            <a:prstGeom prst="rect">
+              <a:avLst/>
+            </a:prstGeom>
+          </p:spPr>
+        </p:pic>
+        <p:pic>
+          <p:nvPicPr>
+            <p:cNvPr id="7" name="Picture 6">
+              <a:extLst>
+                <a:ext uri="{FF2B5EF4-FFF2-40B4-BE49-F238E27FC236}">
+                  <a16:creationId xmlns:a16="http://schemas.microsoft.com/office/drawing/2014/main" id="{AECC873E-6D69-498F-9C4B-1C79276041B2}"/>
+                </a:ext>
+              </a:extLst>
+            </p:cNvPr>
+            <p:cNvPicPr>
+              <a:picLocks noChangeAspect="1"/>
+            </p:cNvPicPr>
+            <p:nvPr/>
+          </p:nvPicPr>
+          <p:blipFill>
+            <a:blip r:embed="rId3">
+              <a:extLst>
+                <a:ext uri="{28A0092B-C50C-407E-A947-70E740481C1C}">
+                  <a14:useLocalDpi xmlns:a14="http://schemas.microsoft.com/office/drawing/2010/main" val="0"/>
+                </a:ext>
+              </a:extLst>
+            </a:blip>
+            <a:stretch>
+              <a:fillRect/>
+            </a:stretch>
+          </p:blipFill>
+          <p:spPr>
+            <a:xfrm>
+              <a:off x="3118130" y="1589380"/>
+              <a:ext cx="3572980" cy="2880000"/>
+            </a:xfrm>
+            <a:prstGeom prst="rect">
+              <a:avLst/>
+            </a:prstGeom>
+          </p:spPr>
+        </p:pic>
+        <p:pic>
+          <p:nvPicPr>
+            <p:cNvPr id="9" name="Picture 8">
+              <a:extLst>
+                <a:ext uri="{FF2B5EF4-FFF2-40B4-BE49-F238E27FC236}">
+                  <a16:creationId xmlns:a16="http://schemas.microsoft.com/office/drawing/2014/main" id="{5B4E49ED-172A-4812-8FF0-D3B4EE9435D5}"/>
+                </a:ext>
+              </a:extLst>
+            </p:cNvPr>
+            <p:cNvPicPr>
+              <a:picLocks noChangeAspect="1"/>
+            </p:cNvPicPr>
+            <p:nvPr/>
+          </p:nvPicPr>
+          <p:blipFill>
+            <a:blip r:embed="rId4">
+              <a:extLst>
+                <a:ext uri="{28A0092B-C50C-407E-A947-70E740481C1C}">
+                  <a14:useLocalDpi xmlns:a14="http://schemas.microsoft.com/office/drawing/2010/main" val="0"/>
+                </a:ext>
+              </a:extLst>
+            </a:blip>
+            <a:stretch>
+              <a:fillRect/>
+            </a:stretch>
+          </p:blipFill>
+          <p:spPr>
+            <a:xfrm>
+              <a:off x="6748328" y="1589380"/>
+              <a:ext cx="3572980" cy="2880000"/>
+            </a:xfrm>
+            <a:prstGeom prst="rect">
+              <a:avLst/>
+            </a:prstGeom>
+          </p:spPr>
+        </p:pic>
+        <p:sp>
+          <p:nvSpPr>
+            <p:cNvPr id="11" name="TextBox 10">
+              <a:extLst>
+                <a:ext uri="{FF2B5EF4-FFF2-40B4-BE49-F238E27FC236}">
+                  <a16:creationId xmlns:a16="http://schemas.microsoft.com/office/drawing/2014/main" id="{70B13735-F535-4A64-BBAF-94BD01650A91}"/>
+                </a:ext>
+              </a:extLst>
+            </p:cNvPr>
+            <p:cNvSpPr txBox="1"/>
+            <p:nvPr/>
+          </p:nvSpPr>
+          <p:spPr>
+            <a:xfrm>
+              <a:off x="531244" y="4469380"/>
+              <a:ext cx="1543574" cy="369332"/>
+            </a:xfrm>
+            <a:prstGeom prst="rect">
+              <a:avLst/>
+            </a:prstGeom>
+            <a:noFill/>
+          </p:spPr>
+          <p:txBody>
+            <a:bodyPr wrap="square" rtlCol="1">
+              <a:spAutoFit/>
+            </a:bodyPr>
+            <a:lstStyle/>
+            <a:p>
+              <a:r>
+                <a:rPr lang="en-US" dirty="0"/>
+                <a:t>Light size = 3</a:t>
+              </a:r>
+              <a:endParaRPr lang="he-IL" dirty="0"/>
+            </a:p>
+          </p:txBody>
+        </p:sp>
+        <p:sp>
+          <p:nvSpPr>
+            <p:cNvPr id="13" name="TextBox 12">
+              <a:extLst>
+                <a:ext uri="{FF2B5EF4-FFF2-40B4-BE49-F238E27FC236}">
+                  <a16:creationId xmlns:a16="http://schemas.microsoft.com/office/drawing/2014/main" id="{99AC51F0-D974-4299-82F0-1845BCD7D965}"/>
+                </a:ext>
+              </a:extLst>
+            </p:cNvPr>
+            <p:cNvSpPr txBox="1"/>
+            <p:nvPr/>
+          </p:nvSpPr>
+          <p:spPr>
+            <a:xfrm>
+              <a:off x="4161442" y="4469380"/>
+              <a:ext cx="1543574" cy="369332"/>
+            </a:xfrm>
+            <a:prstGeom prst="rect">
+              <a:avLst/>
+            </a:prstGeom>
+            <a:noFill/>
+          </p:spPr>
+          <p:txBody>
+            <a:bodyPr wrap="square" rtlCol="1">
+              <a:spAutoFit/>
+            </a:bodyPr>
+            <a:lstStyle/>
+            <a:p>
+              <a:r>
+                <a:rPr lang="en-US" dirty="0"/>
+                <a:t>Light size = 4</a:t>
+              </a:r>
+              <a:endParaRPr lang="he-IL" dirty="0"/>
+            </a:p>
+          </p:txBody>
+        </p:sp>
+        <p:sp>
+          <p:nvSpPr>
+            <p:cNvPr id="15" name="TextBox 14">
+              <a:extLst>
+                <a:ext uri="{FF2B5EF4-FFF2-40B4-BE49-F238E27FC236}">
+                  <a16:creationId xmlns:a16="http://schemas.microsoft.com/office/drawing/2014/main" id="{258C744B-84EA-4DE6-9CD2-BD0480F1FB33}"/>
+                </a:ext>
+              </a:extLst>
+            </p:cNvPr>
+            <p:cNvSpPr txBox="1"/>
+            <p:nvPr/>
+          </p:nvSpPr>
+          <p:spPr>
+            <a:xfrm>
+              <a:off x="7791640" y="4469380"/>
+              <a:ext cx="1543574" cy="369332"/>
+            </a:xfrm>
+            <a:prstGeom prst="rect">
+              <a:avLst/>
+            </a:prstGeom>
+            <a:noFill/>
+          </p:spPr>
+          <p:txBody>
+            <a:bodyPr wrap="square" rtlCol="1">
+              <a:spAutoFit/>
+            </a:bodyPr>
+            <a:lstStyle/>
+            <a:p>
+              <a:r>
+                <a:rPr lang="en-US" dirty="0"/>
+                <a:t>Light size = 5</a:t>
+              </a:r>
+              <a:endParaRPr lang="he-IL" dirty="0"/>
+            </a:p>
+          </p:txBody>
+        </p:sp>
+      </p:grpSp>
+    </p:spTree>
+    <p:extLst>
+      <p:ext uri="{BB962C8B-B14F-4D97-AF65-F5344CB8AC3E}">
+        <p14:creationId xmlns:p14="http://schemas.microsoft.com/office/powerpoint/2010/main" val="1498296956"/>
+      </p:ext>
+    </p:extLst>
+  </p:cSld>
+  <p:clrMapOvr>
+    <a:masterClrMapping/>
+  </p:clrMapOvr>
+</p:sld>
+</file>
+
+<file path=ppt/slides/slide6.xml><?xml version="1.0" encoding="utf-8"?>
+<p:sld xmlns:a="http://schemas.openxmlformats.org/drawingml/2006/main" xmlns:r="http://schemas.openxmlformats.org/officeDocument/2006/relationships" xmlns:p="http://schemas.openxmlformats.org/presentationml/2006/main">
+  <p:cSld>
+    <p:spTree>
+      <p:nvGrpSpPr>
+        <p:cNvPr id="1" name=""/>
+        <p:cNvGrpSpPr/>
+        <p:nvPr/>
+      </p:nvGrpSpPr>
+      <p:grpSpPr>
+        <a:xfrm>
+          <a:off x="0" y="0"/>
+          <a:ext cx="0" cy="0"/>
+          <a:chOff x="0" y="0"/>
+          <a:chExt cx="0" cy="0"/>
+        </a:xfrm>
+      </p:grpSpPr>
+      <p:grpSp>
+        <p:nvGrpSpPr>
+          <p:cNvPr id="42" name="Group 41">
+            <a:extLst>
+              <a:ext uri="{FF2B5EF4-FFF2-40B4-BE49-F238E27FC236}">
+                <a16:creationId xmlns:a16="http://schemas.microsoft.com/office/drawing/2014/main" id="{D927F9C6-96AC-465F-BB47-A1720A453236}"/>
+              </a:ext>
+            </a:extLst>
+          </p:cNvPr>
+          <p:cNvGrpSpPr/>
+          <p:nvPr/>
+        </p:nvGrpSpPr>
+        <p:grpSpPr>
+          <a:xfrm>
+            <a:off x="1935185" y="-2024651"/>
+            <a:ext cx="8274004" cy="10186876"/>
+            <a:chOff x="1935185" y="-2024651"/>
+            <a:chExt cx="8274004" cy="10186876"/>
+          </a:xfrm>
+        </p:grpSpPr>
+        <p:sp>
+          <p:nvSpPr>
+            <p:cNvPr id="5" name="TextBox 4">
+              <a:extLst>
+                <a:ext uri="{FF2B5EF4-FFF2-40B4-BE49-F238E27FC236}">
+                  <a16:creationId xmlns:a16="http://schemas.microsoft.com/office/drawing/2014/main" id="{3DD05B40-9A82-449D-8E96-A2BFB2994CE2}"/>
+                </a:ext>
+              </a:extLst>
+            </p:cNvPr>
+            <p:cNvSpPr txBox="1"/>
+            <p:nvPr/>
+          </p:nvSpPr>
+          <p:spPr>
+            <a:xfrm>
+              <a:off x="1955412" y="-998920"/>
+              <a:ext cx="1980085" cy="369332"/>
+            </a:xfrm>
+            <a:prstGeom prst="rect">
+              <a:avLst/>
+            </a:prstGeom>
+            <a:noFill/>
+          </p:spPr>
+          <p:txBody>
+            <a:bodyPr wrap="square" rtlCol="1">
+              <a:spAutoFit/>
+            </a:bodyPr>
+            <a:lstStyle/>
+            <a:p>
+              <a:r>
+                <a:rPr lang="en-US" dirty="0"/>
+                <a:t>Board size = 5,10</a:t>
+              </a:r>
+              <a:endParaRPr lang="he-IL" dirty="0"/>
+            </a:p>
+          </p:txBody>
+        </p:sp>
+        <p:sp>
+          <p:nvSpPr>
+            <p:cNvPr id="17" name="TextBox 16">
+              <a:extLst>
+                <a:ext uri="{FF2B5EF4-FFF2-40B4-BE49-F238E27FC236}">
+                  <a16:creationId xmlns:a16="http://schemas.microsoft.com/office/drawing/2014/main" id="{8F84379D-3472-4719-B1A6-880626BBC767}"/>
+                </a:ext>
+              </a:extLst>
+            </p:cNvPr>
+            <p:cNvSpPr txBox="1"/>
+            <p:nvPr/>
+          </p:nvSpPr>
+          <p:spPr>
+            <a:xfrm>
+              <a:off x="1935185" y="1386017"/>
+              <a:ext cx="1980085" cy="369332"/>
+            </a:xfrm>
+            <a:prstGeom prst="rect">
+              <a:avLst/>
+            </a:prstGeom>
+            <a:noFill/>
+          </p:spPr>
+          <p:txBody>
+            <a:bodyPr wrap="square" rtlCol="1">
+              <a:spAutoFit/>
+            </a:bodyPr>
+            <a:lstStyle/>
+            <a:p>
+              <a:r>
+                <a:rPr lang="en-US" dirty="0"/>
+                <a:t>Board size = 15,20</a:t>
+              </a:r>
+              <a:endParaRPr lang="he-IL" dirty="0"/>
+            </a:p>
+          </p:txBody>
+        </p:sp>
+        <p:sp>
+          <p:nvSpPr>
+            <p:cNvPr id="19" name="TextBox 18">
+              <a:extLst>
+                <a:ext uri="{FF2B5EF4-FFF2-40B4-BE49-F238E27FC236}">
+                  <a16:creationId xmlns:a16="http://schemas.microsoft.com/office/drawing/2014/main" id="{EE7BA65B-A6A7-4D21-B5CE-63E264D99481}"/>
+                </a:ext>
+              </a:extLst>
+            </p:cNvPr>
+            <p:cNvSpPr txBox="1"/>
+            <p:nvPr/>
+          </p:nvSpPr>
+          <p:spPr>
+            <a:xfrm>
+              <a:off x="1955412" y="3770954"/>
+              <a:ext cx="1959396" cy="369332"/>
+            </a:xfrm>
+            <a:prstGeom prst="rect">
+              <a:avLst/>
+            </a:prstGeom>
+            <a:noFill/>
+          </p:spPr>
+          <p:txBody>
+            <a:bodyPr wrap="square" rtlCol="1">
+              <a:spAutoFit/>
+            </a:bodyPr>
+            <a:lstStyle/>
+            <a:p>
+              <a:r>
+                <a:rPr lang="en-US" dirty="0"/>
+                <a:t>Board size = 25,30</a:t>
+              </a:r>
+              <a:endParaRPr lang="he-IL" dirty="0"/>
+            </a:p>
+          </p:txBody>
+        </p:sp>
+        <p:sp>
+          <p:nvSpPr>
+            <p:cNvPr id="21" name="TextBox 20">
+              <a:extLst>
+                <a:ext uri="{FF2B5EF4-FFF2-40B4-BE49-F238E27FC236}">
+                  <a16:creationId xmlns:a16="http://schemas.microsoft.com/office/drawing/2014/main" id="{129C011C-6305-40E6-AD39-D42D4AD1B58C}"/>
+                </a:ext>
+              </a:extLst>
+            </p:cNvPr>
+            <p:cNvSpPr txBox="1"/>
+            <p:nvPr/>
+          </p:nvSpPr>
+          <p:spPr>
+            <a:xfrm>
+              <a:off x="1982811" y="6290954"/>
+              <a:ext cx="1959396" cy="369332"/>
+            </a:xfrm>
+            <a:prstGeom prst="rect">
+              <a:avLst/>
+            </a:prstGeom>
+            <a:noFill/>
+          </p:spPr>
+          <p:txBody>
+            <a:bodyPr wrap="square" rtlCol="1">
+              <a:spAutoFit/>
+            </a:bodyPr>
+            <a:lstStyle/>
+            <a:p>
+              <a:r>
+                <a:rPr lang="en-US" dirty="0"/>
+                <a:t>Board size = 35,40</a:t>
+              </a:r>
+              <a:endParaRPr lang="he-IL" dirty="0"/>
+            </a:p>
+          </p:txBody>
+        </p:sp>
+        <p:pic>
+          <p:nvPicPr>
+            <p:cNvPr id="25" name="Picture 24">
+              <a:extLst>
+                <a:ext uri="{FF2B5EF4-FFF2-40B4-BE49-F238E27FC236}">
+                  <a16:creationId xmlns:a16="http://schemas.microsoft.com/office/drawing/2014/main" id="{117A297B-4484-459E-97AF-9B7D9AFA79C5}"/>
+                </a:ext>
+              </a:extLst>
+            </p:cNvPr>
+            <p:cNvPicPr>
+              <a:picLocks noChangeAspect="1"/>
+            </p:cNvPicPr>
+            <p:nvPr/>
+          </p:nvPicPr>
+          <p:blipFill>
+            <a:blip r:embed="rId2">
+              <a:extLst>
+                <a:ext uri="{28A0092B-C50C-407E-A947-70E740481C1C}">
+                  <a14:useLocalDpi xmlns:a14="http://schemas.microsoft.com/office/drawing/2010/main" val="0"/>
+                </a:ext>
+              </a:extLst>
+            </a:blip>
+            <a:stretch>
+              <a:fillRect/>
+            </a:stretch>
+          </p:blipFill>
+          <p:spPr>
+            <a:xfrm>
+              <a:off x="3941060" y="-2008005"/>
+              <a:ext cx="3131921" cy="2520000"/>
+            </a:xfrm>
+            <a:prstGeom prst="rect">
+              <a:avLst/>
+            </a:prstGeom>
+          </p:spPr>
+        </p:pic>
+        <p:pic>
+          <p:nvPicPr>
+            <p:cNvPr id="27" name="Picture 26">
+              <a:extLst>
+                <a:ext uri="{FF2B5EF4-FFF2-40B4-BE49-F238E27FC236}">
+                  <a16:creationId xmlns:a16="http://schemas.microsoft.com/office/drawing/2014/main" id="{A8E74B42-388E-4AC7-825A-41E76D04309E}"/>
+                </a:ext>
+              </a:extLst>
+            </p:cNvPr>
+            <p:cNvPicPr>
+              <a:picLocks noChangeAspect="1"/>
+            </p:cNvPicPr>
+            <p:nvPr/>
+          </p:nvPicPr>
+          <p:blipFill>
+            <a:blip r:embed="rId3">
+              <a:extLst>
+                <a:ext uri="{28A0092B-C50C-407E-A947-70E740481C1C}">
+                  <a14:useLocalDpi xmlns:a14="http://schemas.microsoft.com/office/drawing/2010/main" val="0"/>
+                </a:ext>
+              </a:extLst>
+            </a:blip>
+            <a:stretch>
+              <a:fillRect/>
+            </a:stretch>
+          </p:blipFill>
+          <p:spPr>
+            <a:xfrm>
+              <a:off x="7072981" y="-2024651"/>
+              <a:ext cx="3126358" cy="2520000"/>
+            </a:xfrm>
+            <a:prstGeom prst="rect">
+              <a:avLst/>
+            </a:prstGeom>
+          </p:spPr>
+        </p:pic>
+        <p:pic>
+          <p:nvPicPr>
+            <p:cNvPr id="29" name="Picture 28">
+              <a:extLst>
+                <a:ext uri="{FF2B5EF4-FFF2-40B4-BE49-F238E27FC236}">
+                  <a16:creationId xmlns:a16="http://schemas.microsoft.com/office/drawing/2014/main" id="{EFCE8D79-2AAE-4C29-9AB5-C4CC28DF6DBA}"/>
+                </a:ext>
+              </a:extLst>
+            </p:cNvPr>
+            <p:cNvPicPr>
+              <a:picLocks noChangeAspect="1"/>
+            </p:cNvPicPr>
+            <p:nvPr/>
+          </p:nvPicPr>
+          <p:blipFill>
+            <a:blip r:embed="rId4">
+              <a:extLst>
+                <a:ext uri="{28A0092B-C50C-407E-A947-70E740481C1C}">
+                  <a14:useLocalDpi xmlns:a14="http://schemas.microsoft.com/office/drawing/2010/main" val="0"/>
+                </a:ext>
+              </a:extLst>
+            </a:blip>
+            <a:stretch>
+              <a:fillRect/>
+            </a:stretch>
+          </p:blipFill>
+          <p:spPr>
+            <a:xfrm>
+              <a:off x="3941060" y="495349"/>
+              <a:ext cx="3126358" cy="2520000"/>
+            </a:xfrm>
+            <a:prstGeom prst="rect">
+              <a:avLst/>
+            </a:prstGeom>
+          </p:spPr>
+        </p:pic>
+        <p:pic>
+          <p:nvPicPr>
+            <p:cNvPr id="31" name="Picture 30">
+              <a:extLst>
+                <a:ext uri="{FF2B5EF4-FFF2-40B4-BE49-F238E27FC236}">
+                  <a16:creationId xmlns:a16="http://schemas.microsoft.com/office/drawing/2014/main" id="{EA42A9CA-3912-4733-82BA-95DC4BC84DCE}"/>
+                </a:ext>
+              </a:extLst>
+            </p:cNvPr>
+            <p:cNvPicPr>
+              <a:picLocks noChangeAspect="1"/>
+            </p:cNvPicPr>
+            <p:nvPr/>
+          </p:nvPicPr>
+          <p:blipFill>
+            <a:blip r:embed="rId5">
+              <a:extLst>
+                <a:ext uri="{28A0092B-C50C-407E-A947-70E740481C1C}">
+                  <a14:useLocalDpi xmlns:a14="http://schemas.microsoft.com/office/drawing/2010/main" val="0"/>
+                </a:ext>
+              </a:extLst>
+            </a:blip>
+            <a:stretch>
+              <a:fillRect/>
+            </a:stretch>
+          </p:blipFill>
+          <p:spPr>
+            <a:xfrm>
+              <a:off x="7078544" y="495349"/>
+              <a:ext cx="3126358" cy="2520000"/>
+            </a:xfrm>
+            <a:prstGeom prst="rect">
+              <a:avLst/>
+            </a:prstGeom>
+          </p:spPr>
+        </p:pic>
+        <p:pic>
+          <p:nvPicPr>
+            <p:cNvPr id="33" name="Picture 32">
+              <a:extLst>
+                <a:ext uri="{FF2B5EF4-FFF2-40B4-BE49-F238E27FC236}">
+                  <a16:creationId xmlns:a16="http://schemas.microsoft.com/office/drawing/2014/main" id="{9E3C3B80-F697-4A0A-A762-3DE250529B11}"/>
+                </a:ext>
+              </a:extLst>
+            </p:cNvPr>
+            <p:cNvPicPr>
+              <a:picLocks noChangeAspect="1"/>
+            </p:cNvPicPr>
+            <p:nvPr/>
+          </p:nvPicPr>
+          <p:blipFill>
+            <a:blip r:embed="rId6">
+              <a:extLst>
+                <a:ext uri="{28A0092B-C50C-407E-A947-70E740481C1C}">
+                  <a14:useLocalDpi xmlns:a14="http://schemas.microsoft.com/office/drawing/2010/main" val="0"/>
+                </a:ext>
+              </a:extLst>
+            </a:blip>
+            <a:stretch>
+              <a:fillRect/>
+            </a:stretch>
+          </p:blipFill>
+          <p:spPr>
+            <a:xfrm>
+              <a:off x="3915270" y="3015349"/>
+              <a:ext cx="3126358" cy="2520000"/>
+            </a:xfrm>
+            <a:prstGeom prst="rect">
+              <a:avLst/>
+            </a:prstGeom>
+          </p:spPr>
+        </p:pic>
+        <p:pic>
+          <p:nvPicPr>
+            <p:cNvPr id="37" name="Picture 36">
+              <a:extLst>
+                <a:ext uri="{FF2B5EF4-FFF2-40B4-BE49-F238E27FC236}">
+                  <a16:creationId xmlns:a16="http://schemas.microsoft.com/office/drawing/2014/main" id="{C755F9AD-DAA3-4701-AF3E-E29ED17EA3DF}"/>
+                </a:ext>
+              </a:extLst>
+            </p:cNvPr>
+            <p:cNvPicPr>
+              <a:picLocks noChangeAspect="1"/>
+            </p:cNvPicPr>
+            <p:nvPr/>
+          </p:nvPicPr>
+          <p:blipFill>
+            <a:blip r:embed="rId7">
+              <a:extLst>
+                <a:ext uri="{28A0092B-C50C-407E-A947-70E740481C1C}">
+                  <a14:useLocalDpi xmlns:a14="http://schemas.microsoft.com/office/drawing/2010/main" val="0"/>
+                </a:ext>
+              </a:extLst>
+            </a:blip>
+            <a:stretch>
+              <a:fillRect/>
+            </a:stretch>
+          </p:blipFill>
+          <p:spPr>
+            <a:xfrm>
+              <a:off x="7078544" y="3022601"/>
+              <a:ext cx="3126358" cy="2520000"/>
+            </a:xfrm>
+            <a:prstGeom prst="rect">
+              <a:avLst/>
+            </a:prstGeom>
+          </p:spPr>
+        </p:pic>
+        <p:pic>
+          <p:nvPicPr>
+            <p:cNvPr id="39" name="Picture 38">
+              <a:extLst>
+                <a:ext uri="{FF2B5EF4-FFF2-40B4-BE49-F238E27FC236}">
+                  <a16:creationId xmlns:a16="http://schemas.microsoft.com/office/drawing/2014/main" id="{E1A36770-7422-4F21-BBCA-4ABD2900017C}"/>
+                </a:ext>
+              </a:extLst>
+            </p:cNvPr>
+            <p:cNvPicPr>
+              <a:picLocks noChangeAspect="1"/>
+            </p:cNvPicPr>
+            <p:nvPr/>
+          </p:nvPicPr>
+          <p:blipFill>
+            <a:blip r:embed="rId8">
+              <a:extLst>
+                <a:ext uri="{28A0092B-C50C-407E-A947-70E740481C1C}">
+                  <a14:useLocalDpi xmlns:a14="http://schemas.microsoft.com/office/drawing/2010/main" val="0"/>
+                </a:ext>
+              </a:extLst>
+            </a:blip>
+            <a:stretch>
+              <a:fillRect/>
+            </a:stretch>
+          </p:blipFill>
+          <p:spPr>
+            <a:xfrm>
+              <a:off x="3914808" y="5642225"/>
+              <a:ext cx="3126358" cy="2520000"/>
+            </a:xfrm>
+            <a:prstGeom prst="rect">
+              <a:avLst/>
+            </a:prstGeom>
+          </p:spPr>
+        </p:pic>
+        <p:pic>
+          <p:nvPicPr>
+            <p:cNvPr id="41" name="Picture 40">
+              <a:extLst>
+                <a:ext uri="{FF2B5EF4-FFF2-40B4-BE49-F238E27FC236}">
+                  <a16:creationId xmlns:a16="http://schemas.microsoft.com/office/drawing/2014/main" id="{0586E517-B6C1-4FC6-8DF4-ECF64383836E}"/>
+                </a:ext>
+              </a:extLst>
+            </p:cNvPr>
+            <p:cNvPicPr>
+              <a:picLocks noChangeAspect="1"/>
+            </p:cNvPicPr>
+            <p:nvPr/>
+          </p:nvPicPr>
+          <p:blipFill>
+            <a:blip r:embed="rId9">
+              <a:extLst>
+                <a:ext uri="{28A0092B-C50C-407E-A947-70E740481C1C}">
+                  <a14:useLocalDpi xmlns:a14="http://schemas.microsoft.com/office/drawing/2010/main" val="0"/>
+                </a:ext>
+              </a:extLst>
+            </a:blip>
+            <a:stretch>
+              <a:fillRect/>
+            </a:stretch>
+          </p:blipFill>
+          <p:spPr>
+            <a:xfrm>
+              <a:off x="7082831" y="5642225"/>
+              <a:ext cx="3126358" cy="2520000"/>
+            </a:xfrm>
+            <a:prstGeom prst="rect">
+              <a:avLst/>
+            </a:prstGeom>
+          </p:spPr>
+        </p:pic>
+      </p:grpSp>
+    </p:spTree>
+    <p:extLst>
+      <p:ext uri="{BB962C8B-B14F-4D97-AF65-F5344CB8AC3E}">
+        <p14:creationId xmlns:p14="http://schemas.microsoft.com/office/powerpoint/2010/main" val="3703692923"/>
+      </p:ext>
+    </p:extLst>
+  </p:cSld>
+  <p:clrMapOvr>
+    <a:masterClrMapping/>
+  </p:clrMapOvr>
+</p:sld>
+</file>
+
 <file path=ppt/theme/theme1.xml><?xml version="1.0" encoding="utf-8"?>
 <a:theme xmlns:a="http://schemas.openxmlformats.org/drawingml/2006/main" name="ערכת נושא Office">
   <a:themeElements>
